--- a/9. tunneling & port security/Packet Tracer - tunneling , port security.pptx
+++ b/9. tunneling & port security/Packet Tracer - tunneling , port security.pptx
@@ -274,7 +274,7 @@
           <a:p>
             <a:fld id="{75CA1437-E7D8-41DF-8D8F-3EE4AC5EFB84}" type="datetimeFigureOut">
               <a:rPr lang="ko-KR" altLang="en-US" smtClean="0"/>
-              <a:t>2023-10-03</a:t>
+              <a:t>2023-10-04</a:t>
             </a:fld>
             <a:endParaRPr lang="ko-KR" altLang="en-US"/>
           </a:p>
@@ -472,7 +472,7 @@
           <a:p>
             <a:fld id="{75CA1437-E7D8-41DF-8D8F-3EE4AC5EFB84}" type="datetimeFigureOut">
               <a:rPr lang="ko-KR" altLang="en-US" smtClean="0"/>
-              <a:t>2023-10-03</a:t>
+              <a:t>2023-10-04</a:t>
             </a:fld>
             <a:endParaRPr lang="ko-KR" altLang="en-US"/>
           </a:p>
@@ -680,7 +680,7 @@
           <a:p>
             <a:fld id="{75CA1437-E7D8-41DF-8D8F-3EE4AC5EFB84}" type="datetimeFigureOut">
               <a:rPr lang="ko-KR" altLang="en-US" smtClean="0"/>
-              <a:t>2023-10-03</a:t>
+              <a:t>2023-10-04</a:t>
             </a:fld>
             <a:endParaRPr lang="ko-KR" altLang="en-US"/>
           </a:p>
@@ -878,7 +878,7 @@
           <a:p>
             <a:fld id="{75CA1437-E7D8-41DF-8D8F-3EE4AC5EFB84}" type="datetimeFigureOut">
               <a:rPr lang="ko-KR" altLang="en-US" smtClean="0"/>
-              <a:t>2023-10-03</a:t>
+              <a:t>2023-10-04</a:t>
             </a:fld>
             <a:endParaRPr lang="ko-KR" altLang="en-US"/>
           </a:p>
@@ -1153,7 +1153,7 @@
           <a:p>
             <a:fld id="{75CA1437-E7D8-41DF-8D8F-3EE4AC5EFB84}" type="datetimeFigureOut">
               <a:rPr lang="ko-KR" altLang="en-US" smtClean="0"/>
-              <a:t>2023-10-03</a:t>
+              <a:t>2023-10-04</a:t>
             </a:fld>
             <a:endParaRPr lang="ko-KR" altLang="en-US"/>
           </a:p>
@@ -1418,7 +1418,7 @@
           <a:p>
             <a:fld id="{75CA1437-E7D8-41DF-8D8F-3EE4AC5EFB84}" type="datetimeFigureOut">
               <a:rPr lang="ko-KR" altLang="en-US" smtClean="0"/>
-              <a:t>2023-10-03</a:t>
+              <a:t>2023-10-04</a:t>
             </a:fld>
             <a:endParaRPr lang="ko-KR" altLang="en-US"/>
           </a:p>
@@ -1830,7 +1830,7 @@
           <a:p>
             <a:fld id="{75CA1437-E7D8-41DF-8D8F-3EE4AC5EFB84}" type="datetimeFigureOut">
               <a:rPr lang="ko-KR" altLang="en-US" smtClean="0"/>
-              <a:t>2023-10-03</a:t>
+              <a:t>2023-10-04</a:t>
             </a:fld>
             <a:endParaRPr lang="ko-KR" altLang="en-US"/>
           </a:p>
@@ -1971,7 +1971,7 @@
           <a:p>
             <a:fld id="{75CA1437-E7D8-41DF-8D8F-3EE4AC5EFB84}" type="datetimeFigureOut">
               <a:rPr lang="ko-KR" altLang="en-US" smtClean="0"/>
-              <a:t>2023-10-03</a:t>
+              <a:t>2023-10-04</a:t>
             </a:fld>
             <a:endParaRPr lang="ko-KR" altLang="en-US"/>
           </a:p>
@@ -2084,7 +2084,7 @@
           <a:p>
             <a:fld id="{75CA1437-E7D8-41DF-8D8F-3EE4AC5EFB84}" type="datetimeFigureOut">
               <a:rPr lang="ko-KR" altLang="en-US" smtClean="0"/>
-              <a:t>2023-10-03</a:t>
+              <a:t>2023-10-04</a:t>
             </a:fld>
             <a:endParaRPr lang="ko-KR" altLang="en-US"/>
           </a:p>
@@ -2395,7 +2395,7 @@
           <a:p>
             <a:fld id="{75CA1437-E7D8-41DF-8D8F-3EE4AC5EFB84}" type="datetimeFigureOut">
               <a:rPr lang="ko-KR" altLang="en-US" smtClean="0"/>
-              <a:t>2023-10-03</a:t>
+              <a:t>2023-10-04</a:t>
             </a:fld>
             <a:endParaRPr lang="ko-KR" altLang="en-US"/>
           </a:p>
@@ -2683,7 +2683,7 @@
           <a:p>
             <a:fld id="{75CA1437-E7D8-41DF-8D8F-3EE4AC5EFB84}" type="datetimeFigureOut">
               <a:rPr lang="ko-KR" altLang="en-US" smtClean="0"/>
-              <a:t>2023-10-03</a:t>
+              <a:t>2023-10-04</a:t>
             </a:fld>
             <a:endParaRPr lang="ko-KR" altLang="en-US"/>
           </a:p>
@@ -2924,7 +2924,7 @@
           <a:p>
             <a:fld id="{75CA1437-E7D8-41DF-8D8F-3EE4AC5EFB84}" type="datetimeFigureOut">
               <a:rPr lang="ko-KR" altLang="en-US" smtClean="0"/>
-              <a:t>2023-10-03</a:t>
+              <a:t>2023-10-04</a:t>
             </a:fld>
             <a:endParaRPr lang="ko-KR" altLang="en-US"/>
           </a:p>
@@ -10037,6 +10037,480 @@
           </a:p>
         </p:txBody>
       </p:sp>
+      <p:pic>
+        <p:nvPicPr>
+          <p:cNvPr id="5" name="그림 4">
+            <a:extLst>
+              <a:ext uri="{FF2B5EF4-FFF2-40B4-BE49-F238E27FC236}">
+                <a16:creationId xmlns:a16="http://schemas.microsoft.com/office/drawing/2014/main" id="{17088A9D-3309-3D4B-A81A-1A14AA9D156C}"/>
+              </a:ext>
+            </a:extLst>
+          </p:cNvPr>
+          <p:cNvPicPr>
+            <a:picLocks noChangeAspect="1"/>
+          </p:cNvPicPr>
+          <p:nvPr/>
+        </p:nvPicPr>
+        <p:blipFill>
+          <a:blip r:embed="rId2"/>
+          <a:stretch>
+            <a:fillRect/>
+          </a:stretch>
+        </p:blipFill>
+        <p:spPr>
+          <a:xfrm>
+            <a:off x="1138202" y="3429000"/>
+            <a:ext cx="4957798" cy="1834695"/>
+          </a:xfrm>
+          <a:prstGeom prst="rect">
+            <a:avLst/>
+          </a:prstGeom>
+        </p:spPr>
+      </p:pic>
+      <p:sp>
+        <p:nvSpPr>
+          <p:cNvPr id="6" name="내용 개체 틀 2">
+            <a:extLst>
+              <a:ext uri="{FF2B5EF4-FFF2-40B4-BE49-F238E27FC236}">
+                <a16:creationId xmlns:a16="http://schemas.microsoft.com/office/drawing/2014/main" id="{ABBC8B36-3B1A-AA8C-4254-AC297BB581EF}"/>
+              </a:ext>
+            </a:extLst>
+          </p:cNvPr>
+          <p:cNvSpPr txBox="1">
+            <a:spLocks/>
+          </p:cNvSpPr>
+          <p:nvPr/>
+        </p:nvSpPr>
+        <p:spPr>
+          <a:xfrm>
+            <a:off x="2823411" y="2938550"/>
+            <a:ext cx="1006640" cy="355513"/>
+          </a:xfrm>
+          <a:prstGeom prst="rect">
+            <a:avLst/>
+          </a:prstGeom>
+        </p:spPr>
+        <p:txBody>
+          <a:bodyPr vert="horz" lIns="91440" tIns="45720" rIns="91440" bIns="45720" rtlCol="0">
+            <a:noAutofit/>
+          </a:bodyPr>
+          <a:lstStyle>
+            <a:lvl1pPr marL="228600" indent="-228600" algn="l" defTabSz="914400" rtl="0" eaLnBrk="1" latinLnBrk="1" hangingPunct="1">
+              <a:lnSpc>
+                <a:spcPct val="90000"/>
+              </a:lnSpc>
+              <a:spcBef>
+                <a:spcPts val="1000"/>
+              </a:spcBef>
+              <a:buFont typeface="Arial" panose="020B0604020202020204" pitchFamily="34" charset="0"/>
+              <a:buChar char="•"/>
+              <a:defRPr sz="2800" kern="1200">
+                <a:solidFill>
+                  <a:schemeClr val="tx1"/>
+                </a:solidFill>
+                <a:latin typeface="+mn-lt"/>
+                <a:ea typeface="+mn-ea"/>
+                <a:cs typeface="+mn-cs"/>
+              </a:defRPr>
+            </a:lvl1pPr>
+            <a:lvl2pPr marL="685800" indent="-228600" algn="l" defTabSz="914400" rtl="0" eaLnBrk="1" latinLnBrk="1" hangingPunct="1">
+              <a:lnSpc>
+                <a:spcPct val="90000"/>
+              </a:lnSpc>
+              <a:spcBef>
+                <a:spcPts val="500"/>
+              </a:spcBef>
+              <a:buFont typeface="Arial" panose="020B0604020202020204" pitchFamily="34" charset="0"/>
+              <a:buChar char="•"/>
+              <a:defRPr sz="2400" kern="1200">
+                <a:solidFill>
+                  <a:schemeClr val="tx1"/>
+                </a:solidFill>
+                <a:latin typeface="+mn-lt"/>
+                <a:ea typeface="+mn-ea"/>
+                <a:cs typeface="+mn-cs"/>
+              </a:defRPr>
+            </a:lvl2pPr>
+            <a:lvl3pPr marL="1143000" indent="-228600" algn="l" defTabSz="914400" rtl="0" eaLnBrk="1" latinLnBrk="1" hangingPunct="1">
+              <a:lnSpc>
+                <a:spcPct val="90000"/>
+              </a:lnSpc>
+              <a:spcBef>
+                <a:spcPts val="500"/>
+              </a:spcBef>
+              <a:buFont typeface="Arial" panose="020B0604020202020204" pitchFamily="34" charset="0"/>
+              <a:buChar char="•"/>
+              <a:defRPr sz="2000" kern="1200">
+                <a:solidFill>
+                  <a:schemeClr val="tx1"/>
+                </a:solidFill>
+                <a:latin typeface="+mn-lt"/>
+                <a:ea typeface="+mn-ea"/>
+                <a:cs typeface="+mn-cs"/>
+              </a:defRPr>
+            </a:lvl3pPr>
+            <a:lvl4pPr marL="1600200" indent="-228600" algn="l" defTabSz="914400" rtl="0" eaLnBrk="1" latinLnBrk="1" hangingPunct="1">
+              <a:lnSpc>
+                <a:spcPct val="90000"/>
+              </a:lnSpc>
+              <a:spcBef>
+                <a:spcPts val="500"/>
+              </a:spcBef>
+              <a:buFont typeface="Arial" panose="020B0604020202020204" pitchFamily="34" charset="0"/>
+              <a:buChar char="•"/>
+              <a:defRPr sz="1800" kern="1200">
+                <a:solidFill>
+                  <a:schemeClr val="tx1"/>
+                </a:solidFill>
+                <a:latin typeface="+mn-lt"/>
+                <a:ea typeface="+mn-ea"/>
+                <a:cs typeface="+mn-cs"/>
+              </a:defRPr>
+            </a:lvl4pPr>
+            <a:lvl5pPr marL="2057400" indent="-228600" algn="l" defTabSz="914400" rtl="0" eaLnBrk="1" latinLnBrk="1" hangingPunct="1">
+              <a:lnSpc>
+                <a:spcPct val="90000"/>
+              </a:lnSpc>
+              <a:spcBef>
+                <a:spcPts val="500"/>
+              </a:spcBef>
+              <a:buFont typeface="Arial" panose="020B0604020202020204" pitchFamily="34" charset="0"/>
+              <a:buChar char="•"/>
+              <a:defRPr sz="1800" kern="1200">
+                <a:solidFill>
+                  <a:schemeClr val="tx1"/>
+                </a:solidFill>
+                <a:latin typeface="+mn-lt"/>
+                <a:ea typeface="+mn-ea"/>
+                <a:cs typeface="+mn-cs"/>
+              </a:defRPr>
+            </a:lvl5pPr>
+            <a:lvl6pPr marL="2514600" indent="-228600" algn="l" defTabSz="914400" rtl="0" eaLnBrk="1" latinLnBrk="1" hangingPunct="1">
+              <a:lnSpc>
+                <a:spcPct val="90000"/>
+              </a:lnSpc>
+              <a:spcBef>
+                <a:spcPts val="500"/>
+              </a:spcBef>
+              <a:buFont typeface="Arial" panose="020B0604020202020204" pitchFamily="34" charset="0"/>
+              <a:buChar char="•"/>
+              <a:defRPr sz="1800" kern="1200">
+                <a:solidFill>
+                  <a:schemeClr val="tx1"/>
+                </a:solidFill>
+                <a:latin typeface="+mn-lt"/>
+                <a:ea typeface="+mn-ea"/>
+                <a:cs typeface="+mn-cs"/>
+              </a:defRPr>
+            </a:lvl6pPr>
+            <a:lvl7pPr marL="2971800" indent="-228600" algn="l" defTabSz="914400" rtl="0" eaLnBrk="1" latinLnBrk="1" hangingPunct="1">
+              <a:lnSpc>
+                <a:spcPct val="90000"/>
+              </a:lnSpc>
+              <a:spcBef>
+                <a:spcPts val="500"/>
+              </a:spcBef>
+              <a:buFont typeface="Arial" panose="020B0604020202020204" pitchFamily="34" charset="0"/>
+              <a:buChar char="•"/>
+              <a:defRPr sz="1800" kern="1200">
+                <a:solidFill>
+                  <a:schemeClr val="tx1"/>
+                </a:solidFill>
+                <a:latin typeface="+mn-lt"/>
+                <a:ea typeface="+mn-ea"/>
+                <a:cs typeface="+mn-cs"/>
+              </a:defRPr>
+            </a:lvl7pPr>
+            <a:lvl8pPr marL="3429000" indent="-228600" algn="l" defTabSz="914400" rtl="0" eaLnBrk="1" latinLnBrk="1" hangingPunct="1">
+              <a:lnSpc>
+                <a:spcPct val="90000"/>
+              </a:lnSpc>
+              <a:spcBef>
+                <a:spcPts val="500"/>
+              </a:spcBef>
+              <a:buFont typeface="Arial" panose="020B0604020202020204" pitchFamily="34" charset="0"/>
+              <a:buChar char="•"/>
+              <a:defRPr sz="1800" kern="1200">
+                <a:solidFill>
+                  <a:schemeClr val="tx1"/>
+                </a:solidFill>
+                <a:latin typeface="+mn-lt"/>
+                <a:ea typeface="+mn-ea"/>
+                <a:cs typeface="+mn-cs"/>
+              </a:defRPr>
+            </a:lvl8pPr>
+            <a:lvl9pPr marL="3886200" indent="-228600" algn="l" defTabSz="914400" rtl="0" eaLnBrk="1" latinLnBrk="1" hangingPunct="1">
+              <a:lnSpc>
+                <a:spcPct val="90000"/>
+              </a:lnSpc>
+              <a:spcBef>
+                <a:spcPts val="500"/>
+              </a:spcBef>
+              <a:buFont typeface="Arial" panose="020B0604020202020204" pitchFamily="34" charset="0"/>
+              <a:buChar char="•"/>
+              <a:defRPr sz="1800" kern="1200">
+                <a:solidFill>
+                  <a:schemeClr val="tx1"/>
+                </a:solidFill>
+                <a:latin typeface="+mn-lt"/>
+                <a:ea typeface="+mn-ea"/>
+                <a:cs typeface="+mn-cs"/>
+              </a:defRPr>
+            </a:lvl9pPr>
+          </a:lstStyle>
+          <a:p>
+            <a:pPr marL="0" indent="0" algn="ctr">
+              <a:buFont typeface="Arial" panose="020B0604020202020204" pitchFamily="34" charset="0"/>
+              <a:buNone/>
+            </a:pPr>
+            <a:r>
+              <a:rPr lang="en-US" altLang="ko-KR" sz="2000" b="1" dirty="0">
+                <a:solidFill>
+                  <a:schemeClr val="bg1"/>
+                </a:solidFill>
+              </a:rPr>
+              <a:t>PC0</a:t>
+            </a:r>
+          </a:p>
+        </p:txBody>
+      </p:sp>
+      <p:pic>
+        <p:nvPicPr>
+          <p:cNvPr id="8" name="그림 7">
+            <a:extLst>
+              <a:ext uri="{FF2B5EF4-FFF2-40B4-BE49-F238E27FC236}">
+                <a16:creationId xmlns:a16="http://schemas.microsoft.com/office/drawing/2014/main" id="{70ED4AFA-CE0C-E533-734D-31D36737B5F9}"/>
+              </a:ext>
+            </a:extLst>
+          </p:cNvPr>
+          <p:cNvPicPr>
+            <a:picLocks noChangeAspect="1"/>
+          </p:cNvPicPr>
+          <p:nvPr/>
+        </p:nvPicPr>
+        <p:blipFill>
+          <a:blip r:embed="rId3"/>
+          <a:stretch>
+            <a:fillRect/>
+          </a:stretch>
+        </p:blipFill>
+        <p:spPr>
+          <a:xfrm>
+            <a:off x="6346627" y="3429000"/>
+            <a:ext cx="5007173" cy="1956585"/>
+          </a:xfrm>
+          <a:prstGeom prst="rect">
+            <a:avLst/>
+          </a:prstGeom>
+        </p:spPr>
+      </p:pic>
+      <p:sp>
+        <p:nvSpPr>
+          <p:cNvPr id="9" name="내용 개체 틀 2">
+            <a:extLst>
+              <a:ext uri="{FF2B5EF4-FFF2-40B4-BE49-F238E27FC236}">
+                <a16:creationId xmlns:a16="http://schemas.microsoft.com/office/drawing/2014/main" id="{58CE7FAB-B674-E015-690F-D5412D9EAE6F}"/>
+              </a:ext>
+            </a:extLst>
+          </p:cNvPr>
+          <p:cNvSpPr txBox="1">
+            <a:spLocks/>
+          </p:cNvSpPr>
+          <p:nvPr/>
+        </p:nvSpPr>
+        <p:spPr>
+          <a:xfrm>
+            <a:off x="7964906" y="2938550"/>
+            <a:ext cx="1006640" cy="355513"/>
+          </a:xfrm>
+          <a:prstGeom prst="rect">
+            <a:avLst/>
+          </a:prstGeom>
+        </p:spPr>
+        <p:txBody>
+          <a:bodyPr vert="horz" lIns="91440" tIns="45720" rIns="91440" bIns="45720" rtlCol="0">
+            <a:noAutofit/>
+          </a:bodyPr>
+          <a:lstStyle>
+            <a:lvl1pPr marL="228600" indent="-228600" algn="l" defTabSz="914400" rtl="0" eaLnBrk="1" latinLnBrk="1" hangingPunct="1">
+              <a:lnSpc>
+                <a:spcPct val="90000"/>
+              </a:lnSpc>
+              <a:spcBef>
+                <a:spcPts val="1000"/>
+              </a:spcBef>
+              <a:buFont typeface="Arial" panose="020B0604020202020204" pitchFamily="34" charset="0"/>
+              <a:buChar char="•"/>
+              <a:defRPr sz="2800" kern="1200">
+                <a:solidFill>
+                  <a:schemeClr val="tx1"/>
+                </a:solidFill>
+                <a:latin typeface="+mn-lt"/>
+                <a:ea typeface="+mn-ea"/>
+                <a:cs typeface="+mn-cs"/>
+              </a:defRPr>
+            </a:lvl1pPr>
+            <a:lvl2pPr marL="685800" indent="-228600" algn="l" defTabSz="914400" rtl="0" eaLnBrk="1" latinLnBrk="1" hangingPunct="1">
+              <a:lnSpc>
+                <a:spcPct val="90000"/>
+              </a:lnSpc>
+              <a:spcBef>
+                <a:spcPts val="500"/>
+              </a:spcBef>
+              <a:buFont typeface="Arial" panose="020B0604020202020204" pitchFamily="34" charset="0"/>
+              <a:buChar char="•"/>
+              <a:defRPr sz="2400" kern="1200">
+                <a:solidFill>
+                  <a:schemeClr val="tx1"/>
+                </a:solidFill>
+                <a:latin typeface="+mn-lt"/>
+                <a:ea typeface="+mn-ea"/>
+                <a:cs typeface="+mn-cs"/>
+              </a:defRPr>
+            </a:lvl2pPr>
+            <a:lvl3pPr marL="1143000" indent="-228600" algn="l" defTabSz="914400" rtl="0" eaLnBrk="1" latinLnBrk="1" hangingPunct="1">
+              <a:lnSpc>
+                <a:spcPct val="90000"/>
+              </a:lnSpc>
+              <a:spcBef>
+                <a:spcPts val="500"/>
+              </a:spcBef>
+              <a:buFont typeface="Arial" panose="020B0604020202020204" pitchFamily="34" charset="0"/>
+              <a:buChar char="•"/>
+              <a:defRPr sz="2000" kern="1200">
+                <a:solidFill>
+                  <a:schemeClr val="tx1"/>
+                </a:solidFill>
+                <a:latin typeface="+mn-lt"/>
+                <a:ea typeface="+mn-ea"/>
+                <a:cs typeface="+mn-cs"/>
+              </a:defRPr>
+            </a:lvl3pPr>
+            <a:lvl4pPr marL="1600200" indent="-228600" algn="l" defTabSz="914400" rtl="0" eaLnBrk="1" latinLnBrk="1" hangingPunct="1">
+              <a:lnSpc>
+                <a:spcPct val="90000"/>
+              </a:lnSpc>
+              <a:spcBef>
+                <a:spcPts val="500"/>
+              </a:spcBef>
+              <a:buFont typeface="Arial" panose="020B0604020202020204" pitchFamily="34" charset="0"/>
+              <a:buChar char="•"/>
+              <a:defRPr sz="1800" kern="1200">
+                <a:solidFill>
+                  <a:schemeClr val="tx1"/>
+                </a:solidFill>
+                <a:latin typeface="+mn-lt"/>
+                <a:ea typeface="+mn-ea"/>
+                <a:cs typeface="+mn-cs"/>
+              </a:defRPr>
+            </a:lvl4pPr>
+            <a:lvl5pPr marL="2057400" indent="-228600" algn="l" defTabSz="914400" rtl="0" eaLnBrk="1" latinLnBrk="1" hangingPunct="1">
+              <a:lnSpc>
+                <a:spcPct val="90000"/>
+              </a:lnSpc>
+              <a:spcBef>
+                <a:spcPts val="500"/>
+              </a:spcBef>
+              <a:buFont typeface="Arial" panose="020B0604020202020204" pitchFamily="34" charset="0"/>
+              <a:buChar char="•"/>
+              <a:defRPr sz="1800" kern="1200">
+                <a:solidFill>
+                  <a:schemeClr val="tx1"/>
+                </a:solidFill>
+                <a:latin typeface="+mn-lt"/>
+                <a:ea typeface="+mn-ea"/>
+                <a:cs typeface="+mn-cs"/>
+              </a:defRPr>
+            </a:lvl5pPr>
+            <a:lvl6pPr marL="2514600" indent="-228600" algn="l" defTabSz="914400" rtl="0" eaLnBrk="1" latinLnBrk="1" hangingPunct="1">
+              <a:lnSpc>
+                <a:spcPct val="90000"/>
+              </a:lnSpc>
+              <a:spcBef>
+                <a:spcPts val="500"/>
+              </a:spcBef>
+              <a:buFont typeface="Arial" panose="020B0604020202020204" pitchFamily="34" charset="0"/>
+              <a:buChar char="•"/>
+              <a:defRPr sz="1800" kern="1200">
+                <a:solidFill>
+                  <a:schemeClr val="tx1"/>
+                </a:solidFill>
+                <a:latin typeface="+mn-lt"/>
+                <a:ea typeface="+mn-ea"/>
+                <a:cs typeface="+mn-cs"/>
+              </a:defRPr>
+            </a:lvl6pPr>
+            <a:lvl7pPr marL="2971800" indent="-228600" algn="l" defTabSz="914400" rtl="0" eaLnBrk="1" latinLnBrk="1" hangingPunct="1">
+              <a:lnSpc>
+                <a:spcPct val="90000"/>
+              </a:lnSpc>
+              <a:spcBef>
+                <a:spcPts val="500"/>
+              </a:spcBef>
+              <a:buFont typeface="Arial" panose="020B0604020202020204" pitchFamily="34" charset="0"/>
+              <a:buChar char="•"/>
+              <a:defRPr sz="1800" kern="1200">
+                <a:solidFill>
+                  <a:schemeClr val="tx1"/>
+                </a:solidFill>
+                <a:latin typeface="+mn-lt"/>
+                <a:ea typeface="+mn-ea"/>
+                <a:cs typeface="+mn-cs"/>
+              </a:defRPr>
+            </a:lvl7pPr>
+            <a:lvl8pPr marL="3429000" indent="-228600" algn="l" defTabSz="914400" rtl="0" eaLnBrk="1" latinLnBrk="1" hangingPunct="1">
+              <a:lnSpc>
+                <a:spcPct val="90000"/>
+              </a:lnSpc>
+              <a:spcBef>
+                <a:spcPts val="500"/>
+              </a:spcBef>
+              <a:buFont typeface="Arial" panose="020B0604020202020204" pitchFamily="34" charset="0"/>
+              <a:buChar char="•"/>
+              <a:defRPr sz="1800" kern="1200">
+                <a:solidFill>
+                  <a:schemeClr val="tx1"/>
+                </a:solidFill>
+                <a:latin typeface="+mn-lt"/>
+                <a:ea typeface="+mn-ea"/>
+                <a:cs typeface="+mn-cs"/>
+              </a:defRPr>
+            </a:lvl8pPr>
+            <a:lvl9pPr marL="3886200" indent="-228600" algn="l" defTabSz="914400" rtl="0" eaLnBrk="1" latinLnBrk="1" hangingPunct="1">
+              <a:lnSpc>
+                <a:spcPct val="90000"/>
+              </a:lnSpc>
+              <a:spcBef>
+                <a:spcPts val="500"/>
+              </a:spcBef>
+              <a:buFont typeface="Arial" panose="020B0604020202020204" pitchFamily="34" charset="0"/>
+              <a:buChar char="•"/>
+              <a:defRPr sz="1800" kern="1200">
+                <a:solidFill>
+                  <a:schemeClr val="tx1"/>
+                </a:solidFill>
+                <a:latin typeface="+mn-lt"/>
+                <a:ea typeface="+mn-ea"/>
+                <a:cs typeface="+mn-cs"/>
+              </a:defRPr>
+            </a:lvl9pPr>
+          </a:lstStyle>
+          <a:p>
+            <a:pPr marL="0" indent="0" algn="ctr">
+              <a:buFont typeface="Arial" panose="020B0604020202020204" pitchFamily="34" charset="0"/>
+              <a:buNone/>
+            </a:pPr>
+            <a:r>
+              <a:rPr lang="en-US" altLang="ko-KR" sz="2000" b="1" dirty="0">
+                <a:solidFill>
+                  <a:schemeClr val="bg1"/>
+                </a:solidFill>
+              </a:rPr>
+              <a:t>PC1</a:t>
+            </a:r>
+          </a:p>
+        </p:txBody>
+      </p:sp>
     </p:spTree>
     <p:extLst>
       <p:ext uri="{BB962C8B-B14F-4D97-AF65-F5344CB8AC3E}">
